--- a/giao-an/buoi4/BUỔI 4 STYLING NÂNG CAO & RESPONSIVE.pptx
+++ b/giao-an/buoi4/BUỔI 4 STYLING NÂNG CAO & RESPONSIVE.pptx
@@ -25,25 +25,24 @@
     <p:sldId id="276" r:id="rId19"/>
     <p:sldId id="277" r:id="rId20"/>
     <p:sldId id="278" r:id="rId21"/>
-    <p:sldId id="279" r:id="rId22"/>
   </p:sldIdLst>
   <p:sldSz cx="18288000" cy="10287000"/>
   <p:notesSz cx="6858000" cy="9144000"/>
   <p:embeddedFontLst>
     <p:embeddedFont>
       <p:font typeface="Bricolage Grotesque Bold" panose="020B0604020202020204" charset="0"/>
+      <p:regular r:id="rId22"/>
+    </p:embeddedFont>
+    <p:embeddedFont>
+      <p:font typeface="Bricolage Grotesque" panose="020B0604020202020204" charset="0"/>
       <p:regular r:id="rId23"/>
     </p:embeddedFont>
     <p:embeddedFont>
-      <p:font typeface="Bricolage Grotesque" panose="020B0604020202020204" charset="0"/>
+      <p:font typeface="Calibri" panose="020F0502020204030204" pitchFamily="34" charset="0"/>
       <p:regular r:id="rId24"/>
-    </p:embeddedFont>
-    <p:embeddedFont>
-      <p:font typeface="Calibri" panose="020F0502020204030204" pitchFamily="34" charset="0"/>
-      <p:regular r:id="rId25"/>
-      <p:bold r:id="rId26"/>
-      <p:italic r:id="rId27"/>
-      <p:boldItalic r:id="rId28"/>
+      <p:bold r:id="rId25"/>
+      <p:italic r:id="rId26"/>
+      <p:boldItalic r:id="rId27"/>
     </p:embeddedFont>
   </p:embeddedFontLst>
   <p:defaultTextStyle>
@@ -6741,544 +6740,6 @@
 </p:sld>
 </file>
 
-<file path=ppt/slides/slide21.xml><?xml version="1.0" encoding="utf-8"?>
-<p:sld xmlns:a="http://schemas.openxmlformats.org/drawingml/2006/main" xmlns:r="http://schemas.openxmlformats.org/officeDocument/2006/relationships" xmlns:p="http://schemas.openxmlformats.org/presentationml/2006/main">
-  <p:cSld>
-    <p:spTree>
-      <p:nvGrpSpPr>
-        <p:cNvPr id="1" name=""/>
-        <p:cNvGrpSpPr/>
-        <p:nvPr/>
-      </p:nvGrpSpPr>
-      <p:grpSpPr>
-        <a:xfrm>
-          <a:off x="0" y="0"/>
-          <a:ext cx="0" cy="0"/>
-          <a:chOff x="0" y="0"/>
-          <a:chExt cx="0" cy="0"/>
-        </a:xfrm>
-      </p:grpSpPr>
-      <p:sp>
-        <p:nvSpPr>
-          <p:cNvPr id="7" name="TextBox 7"/>
-          <p:cNvSpPr txBox="1"/>
-          <p:nvPr/>
-        </p:nvSpPr>
-        <p:spPr>
-          <a:xfrm>
-            <a:off x="2895600" y="1866900"/>
-            <a:ext cx="11201400" cy="923330"/>
-          </a:xfrm>
-          <a:prstGeom prst="rect">
-            <a:avLst/>
-          </a:prstGeom>
-        </p:spPr>
-        <p:txBody>
-          <a:bodyPr wrap="square" lIns="0" tIns="0" rIns="0" bIns="0" rtlCol="0" anchor="t">
-            <a:spAutoFit/>
-          </a:bodyPr>
-          <a:lstStyle/>
-          <a:p>
-            <a:pPr marL="0" lvl="0" indent="0" algn="l">
-              <a:spcBef>
-                <a:spcPct val="0"/>
-              </a:spcBef>
-            </a:pPr>
-            <a:r>
-              <a:rPr lang="en-US" sz="6000" b="1" u="none" strike="noStrike" dirty="0" err="1" smtClean="0">
-                <a:solidFill>
-                  <a:srgbClr val="1E293B"/>
-                </a:solidFill>
-                <a:latin typeface="Bricolage Grotesque Bold"/>
-                <a:ea typeface="Bricolage Grotesque Bold"/>
-                <a:cs typeface="Bricolage Grotesque Bold"/>
-                <a:sym typeface="Bricolage Grotesque Bold"/>
-              </a:rPr>
-              <a:t>Bài</a:t>
-            </a:r>
-            <a:r>
-              <a:rPr lang="en-US" sz="6000" b="1" u="none" strike="noStrike" dirty="0" smtClean="0">
-                <a:solidFill>
-                  <a:srgbClr val="1E293B"/>
-                </a:solidFill>
-                <a:latin typeface="Bricolage Grotesque Bold"/>
-                <a:ea typeface="Bricolage Grotesque Bold"/>
-                <a:cs typeface="Bricolage Grotesque Bold"/>
-                <a:sym typeface="Bricolage Grotesque Bold"/>
-              </a:rPr>
-              <a:t> </a:t>
-            </a:r>
-            <a:r>
-              <a:rPr lang="en-US" sz="6000" b="1" u="none" strike="noStrike" dirty="0" err="1" smtClean="0">
-                <a:solidFill>
-                  <a:srgbClr val="1E293B"/>
-                </a:solidFill>
-                <a:latin typeface="Bricolage Grotesque Bold"/>
-                <a:ea typeface="Bricolage Grotesque Bold"/>
-                <a:cs typeface="Bricolage Grotesque Bold"/>
-                <a:sym typeface="Bricolage Grotesque Bold"/>
-              </a:rPr>
-              <a:t>tập</a:t>
-            </a:r>
-            <a:r>
-              <a:rPr lang="en-US" sz="6000" b="1" u="none" strike="noStrike" dirty="0" smtClean="0">
-                <a:solidFill>
-                  <a:srgbClr val="1E293B"/>
-                </a:solidFill>
-                <a:latin typeface="Bricolage Grotesque Bold"/>
-                <a:ea typeface="Bricolage Grotesque Bold"/>
-                <a:cs typeface="Bricolage Grotesque Bold"/>
-                <a:sym typeface="Bricolage Grotesque Bold"/>
-              </a:rPr>
-              <a:t> </a:t>
-            </a:r>
-            <a:r>
-              <a:rPr lang="en-US" sz="6000" b="1" u="none" strike="noStrike" dirty="0" err="1" smtClean="0">
-                <a:solidFill>
-                  <a:srgbClr val="1E293B"/>
-                </a:solidFill>
-                <a:latin typeface="Bricolage Grotesque Bold"/>
-                <a:ea typeface="Bricolage Grotesque Bold"/>
-                <a:cs typeface="Bricolage Grotesque Bold"/>
-                <a:sym typeface="Bricolage Grotesque Bold"/>
-              </a:rPr>
-              <a:t>về</a:t>
-            </a:r>
-            <a:r>
-              <a:rPr lang="en-US" sz="6000" b="1" u="none" strike="noStrike" dirty="0" smtClean="0">
-                <a:solidFill>
-                  <a:srgbClr val="1E293B"/>
-                </a:solidFill>
-                <a:latin typeface="Bricolage Grotesque Bold"/>
-                <a:ea typeface="Bricolage Grotesque Bold"/>
-                <a:cs typeface="Bricolage Grotesque Bold"/>
-                <a:sym typeface="Bricolage Grotesque Bold"/>
-              </a:rPr>
-              <a:t> </a:t>
-            </a:r>
-            <a:r>
-              <a:rPr lang="en-US" sz="6000" b="1" u="none" strike="noStrike" dirty="0" err="1" smtClean="0">
-                <a:solidFill>
-                  <a:srgbClr val="1E293B"/>
-                </a:solidFill>
-                <a:latin typeface="Bricolage Grotesque Bold"/>
-                <a:ea typeface="Bricolage Grotesque Bold"/>
-                <a:cs typeface="Bricolage Grotesque Bold"/>
-                <a:sym typeface="Bricolage Grotesque Bold"/>
-              </a:rPr>
-              <a:t>nhà</a:t>
-            </a:r>
-            <a:endParaRPr lang="en-US" sz="6000" b="1" u="none" strike="noStrike" dirty="0">
-              <a:solidFill>
-                <a:srgbClr val="1E293B"/>
-              </a:solidFill>
-              <a:latin typeface="Bricolage Grotesque Bold"/>
-              <a:ea typeface="Bricolage Grotesque Bold"/>
-              <a:cs typeface="Bricolage Grotesque Bold"/>
-              <a:sym typeface="Bricolage Grotesque Bold"/>
-            </a:endParaRPr>
-          </a:p>
-        </p:txBody>
-      </p:sp>
-      <p:grpSp>
-        <p:nvGrpSpPr>
-          <p:cNvPr id="14" name="Group 14"/>
-          <p:cNvGrpSpPr/>
-          <p:nvPr/>
-        </p:nvGrpSpPr>
-        <p:grpSpPr>
-          <a:xfrm>
-            <a:off x="15493924" y="6934200"/>
-            <a:ext cx="3467057" cy="4305236"/>
-            <a:chOff x="0" y="0"/>
-            <a:chExt cx="4622743" cy="5740315"/>
-          </a:xfrm>
-        </p:grpSpPr>
-        <p:sp>
-          <p:nvSpPr>
-            <p:cNvPr id="15" name="Freeform 15"/>
-            <p:cNvSpPr/>
-            <p:nvPr/>
-          </p:nvSpPr>
-          <p:spPr>
-            <a:xfrm rot="-2700000">
-              <a:off x="-124706" y="1478676"/>
-              <a:ext cx="4872155" cy="1665391"/>
-            </a:xfrm>
-            <a:custGeom>
-              <a:avLst/>
-              <a:gdLst/>
-              <a:ahLst/>
-              <a:cxnLst/>
-              <a:rect l="l" t="t" r="r" b="b"/>
-              <a:pathLst>
-                <a:path w="4872155" h="1665391">
-                  <a:moveTo>
-                    <a:pt x="0" y="0"/>
-                  </a:moveTo>
-                  <a:lnTo>
-                    <a:pt x="4872155" y="0"/>
-                  </a:lnTo>
-                  <a:lnTo>
-                    <a:pt x="4872155" y="1665391"/>
-                  </a:lnTo>
-                  <a:lnTo>
-                    <a:pt x="0" y="1665391"/>
-                  </a:lnTo>
-                  <a:lnTo>
-                    <a:pt x="0" y="0"/>
-                  </a:lnTo>
-                  <a:close/>
-                </a:path>
-              </a:pathLst>
-            </a:custGeom>
-            <a:blipFill>
-              <a:blip r:embed="rId2">
-                <a:extLst>
-                  <a:ext uri="{96DAC541-7B7A-43D3-8B79-37D633B846F1}">
-                    <asvg:svgBlip xmlns="" xmlns:asvg="http://schemas.microsoft.com/office/drawing/2016/SVG/main" r:embed="rId4"/>
-                  </a:ext>
-                </a:extLst>
-              </a:blip>
-              <a:stretch>
-                <a:fillRect/>
-              </a:stretch>
-            </a:blipFill>
-          </p:spPr>
-        </p:sp>
-        <p:grpSp>
-          <p:nvGrpSpPr>
-            <p:cNvPr id="16" name="Group 16"/>
-            <p:cNvGrpSpPr/>
-            <p:nvPr/>
-          </p:nvGrpSpPr>
-          <p:grpSpPr>
-            <a:xfrm rot="8100000">
-              <a:off x="-106337" y="2577879"/>
-              <a:ext cx="4835418" cy="1702128"/>
-              <a:chOff x="0" y="0"/>
-              <a:chExt cx="954623" cy="336039"/>
-            </a:xfrm>
-          </p:grpSpPr>
-          <p:sp>
-            <p:nvSpPr>
-              <p:cNvPr id="17" name="Freeform 17"/>
-              <p:cNvSpPr/>
-              <p:nvPr/>
-            </p:nvSpPr>
-            <p:spPr>
-              <a:xfrm>
-                <a:off x="0" y="0"/>
-                <a:ext cx="954623" cy="336039"/>
-              </a:xfrm>
-              <a:custGeom>
-                <a:avLst/>
-                <a:gdLst/>
-                <a:ahLst/>
-                <a:cxnLst/>
-                <a:rect l="l" t="t" r="r" b="b"/>
-                <a:pathLst>
-                  <a:path w="954623" h="336039">
-                    <a:moveTo>
-                      <a:pt x="751423" y="0"/>
-                    </a:moveTo>
-                    <a:cubicBezTo>
-                      <a:pt x="863647" y="0"/>
-                      <a:pt x="954623" y="75225"/>
-                      <a:pt x="954623" y="168020"/>
-                    </a:cubicBezTo>
-                    <a:cubicBezTo>
-                      <a:pt x="954623" y="260814"/>
-                      <a:pt x="863647" y="336039"/>
-                      <a:pt x="751423" y="336039"/>
-                    </a:cubicBezTo>
-                    <a:lnTo>
-                      <a:pt x="203200" y="336039"/>
-                    </a:lnTo>
-                    <a:cubicBezTo>
-                      <a:pt x="90976" y="336039"/>
-                      <a:pt x="0" y="260814"/>
-                      <a:pt x="0" y="168020"/>
-                    </a:cubicBezTo>
-                    <a:cubicBezTo>
-                      <a:pt x="0" y="75225"/>
-                      <a:pt x="90976" y="0"/>
-                      <a:pt x="203200" y="0"/>
-                    </a:cubicBezTo>
-                    <a:close/>
-                  </a:path>
-                </a:pathLst>
-              </a:custGeom>
-              <a:solidFill>
-                <a:srgbClr val="1E293B"/>
-              </a:solidFill>
-              <a:ln cap="sq">
-                <a:noFill/>
-                <a:prstDash val="solid"/>
-                <a:miter/>
-              </a:ln>
-            </p:spPr>
-          </p:sp>
-          <p:sp>
-            <p:nvSpPr>
-              <p:cNvPr id="18" name="TextBox 18"/>
-              <p:cNvSpPr txBox="1"/>
-              <p:nvPr/>
-            </p:nvSpPr>
-            <p:spPr>
-              <a:xfrm>
-                <a:off x="0" y="-19050"/>
-                <a:ext cx="954623" cy="355089"/>
-              </a:xfrm>
-              <a:prstGeom prst="rect">
-                <a:avLst/>
-              </a:prstGeom>
-            </p:spPr>
-            <p:txBody>
-              <a:bodyPr lIns="18752" tIns="18752" rIns="18752" bIns="18752" rtlCol="0" anchor="ctr"/>
-              <a:lstStyle/>
-              <a:p>
-                <a:pPr marL="0" lvl="0" indent="0" algn="ctr">
-                  <a:lnSpc>
-                    <a:spcPts val="755"/>
-                  </a:lnSpc>
-                  <a:spcBef>
-                    <a:spcPct val="0"/>
-                  </a:spcBef>
-                </a:pPr>
-                <a:endParaRPr/>
-              </a:p>
-            </p:txBody>
-          </p:sp>
-        </p:grpSp>
-      </p:grpSp>
-      <p:sp>
-        <p:nvSpPr>
-          <p:cNvPr id="9" name="TextBox 3"/>
-          <p:cNvSpPr txBox="1"/>
-          <p:nvPr/>
-        </p:nvSpPr>
-        <p:spPr>
-          <a:xfrm>
-            <a:off x="1066800" y="3467100"/>
-            <a:ext cx="15544800" cy="1477328"/>
-          </a:xfrm>
-          <a:prstGeom prst="rect">
-            <a:avLst/>
-          </a:prstGeom>
-        </p:spPr>
-        <p:txBody>
-          <a:bodyPr wrap="square" lIns="0" tIns="0" rIns="0" bIns="0" rtlCol="0" anchor="t">
-            <a:spAutoFit/>
-          </a:bodyPr>
-          <a:lstStyle/>
-          <a:p>
-            <a:r>
-              <a:rPr lang="en-US" sz="3200" b="1" dirty="0" err="1"/>
-              <a:t>Hoàn</a:t>
-            </a:r>
-            <a:r>
-              <a:rPr lang="en-US" sz="3200" b="1" dirty="0"/>
-              <a:t> </a:t>
-            </a:r>
-            <a:r>
-              <a:rPr lang="en-US" sz="3200" b="1" dirty="0" err="1"/>
-              <a:t>thiện</a:t>
-            </a:r>
-            <a:r>
-              <a:rPr lang="en-US" sz="3200" b="1" dirty="0"/>
-              <a:t> Landing Page (Responsive):</a:t>
-            </a:r>
-            <a:endParaRPr lang="en-US" sz="3200" dirty="0"/>
-          </a:p>
-          <a:p>
-            <a:pPr lvl="1"/>
-            <a:r>
-              <a:rPr lang="en-US" sz="3200" dirty="0" err="1"/>
-              <a:t>Áp</a:t>
-            </a:r>
-            <a:r>
-              <a:rPr lang="en-US" sz="3200" dirty="0"/>
-              <a:t> </a:t>
-            </a:r>
-            <a:r>
-              <a:rPr lang="en-US" sz="3200" dirty="0" err="1"/>
-              <a:t>dụng</a:t>
-            </a:r>
-            <a:r>
-              <a:rPr lang="en-US" sz="3200" dirty="0"/>
-              <a:t> Responsive </a:t>
-            </a:r>
-            <a:r>
-              <a:rPr lang="en-US" sz="3200" dirty="0" err="1"/>
-              <a:t>cho</a:t>
-            </a:r>
-            <a:r>
-              <a:rPr lang="en-US" sz="3200" dirty="0"/>
-              <a:t> </a:t>
-            </a:r>
-            <a:r>
-              <a:rPr lang="en-US" sz="3200" dirty="0" err="1"/>
-              <a:t>bài</a:t>
-            </a:r>
-            <a:r>
-              <a:rPr lang="en-US" sz="3200" dirty="0"/>
-              <a:t> </a:t>
-            </a:r>
-            <a:r>
-              <a:rPr lang="en-US" sz="3200" dirty="0" err="1"/>
-              <a:t>tập</a:t>
-            </a:r>
-            <a:r>
-              <a:rPr lang="en-US" sz="3200" dirty="0"/>
-              <a:t> </a:t>
-            </a:r>
-            <a:r>
-              <a:rPr lang="en-US" sz="3200" dirty="0" err="1"/>
-              <a:t>về</a:t>
-            </a:r>
-            <a:r>
-              <a:rPr lang="en-US" sz="3200" dirty="0"/>
-              <a:t> </a:t>
-            </a:r>
-            <a:r>
-              <a:rPr lang="en-US" sz="3200" dirty="0" err="1"/>
-              <a:t>nhà</a:t>
-            </a:r>
-            <a:r>
-              <a:rPr lang="en-US" sz="3200" dirty="0"/>
-              <a:t> </a:t>
-            </a:r>
-            <a:r>
-              <a:rPr lang="en-US" sz="3200" dirty="0" err="1"/>
-              <a:t>Buổi</a:t>
-            </a:r>
-            <a:r>
-              <a:rPr lang="en-US" sz="3200" dirty="0"/>
-              <a:t> 1.</a:t>
-            </a:r>
-          </a:p>
-          <a:p>
-            <a:pPr lvl="1"/>
-            <a:r>
-              <a:rPr lang="en-US" sz="3200" dirty="0" err="1"/>
-              <a:t>Đảm</a:t>
-            </a:r>
-            <a:r>
-              <a:rPr lang="en-US" sz="3200" dirty="0"/>
-              <a:t> </a:t>
-            </a:r>
-            <a:r>
-              <a:rPr lang="en-US" sz="3200" dirty="0" err="1"/>
-              <a:t>bảo</a:t>
-            </a:r>
-            <a:r>
-              <a:rPr lang="en-US" sz="3200" dirty="0"/>
-              <a:t> </a:t>
-            </a:r>
-            <a:r>
-              <a:rPr lang="en-US" sz="3200" dirty="0" err="1"/>
-              <a:t>hiển</a:t>
-            </a:r>
-            <a:r>
-              <a:rPr lang="en-US" sz="3200" dirty="0"/>
-              <a:t> </a:t>
-            </a:r>
-            <a:r>
-              <a:rPr lang="en-US" sz="3200" dirty="0" err="1"/>
-              <a:t>thị</a:t>
-            </a:r>
-            <a:r>
-              <a:rPr lang="en-US" sz="3200" dirty="0"/>
-              <a:t> </a:t>
-            </a:r>
-            <a:r>
-              <a:rPr lang="en-US" sz="3200" dirty="0" err="1"/>
-              <a:t>đẹp</a:t>
-            </a:r>
-            <a:r>
-              <a:rPr lang="en-US" sz="3200" dirty="0"/>
-              <a:t> </a:t>
-            </a:r>
-            <a:r>
-              <a:rPr lang="en-US" sz="3200" dirty="0" err="1"/>
-              <a:t>trên</a:t>
-            </a:r>
-            <a:r>
-              <a:rPr lang="en-US" sz="3200" dirty="0"/>
-              <a:t> </a:t>
-            </a:r>
-            <a:r>
-              <a:rPr lang="en-US" sz="3200" dirty="0" err="1"/>
-              <a:t>cả</a:t>
-            </a:r>
-            <a:r>
-              <a:rPr lang="en-US" sz="3200" dirty="0"/>
-              <a:t> </a:t>
-            </a:r>
-            <a:r>
-              <a:rPr lang="en-US" sz="3200" dirty="0" err="1"/>
-              <a:t>điện</a:t>
-            </a:r>
-            <a:r>
-              <a:rPr lang="en-US" sz="3200" dirty="0"/>
-              <a:t> </a:t>
-            </a:r>
-            <a:r>
-              <a:rPr lang="en-US" sz="3200" dirty="0" err="1"/>
-              <a:t>thoại</a:t>
-            </a:r>
-            <a:r>
-              <a:rPr lang="en-US" sz="3200" dirty="0"/>
-              <a:t> </a:t>
-            </a:r>
-            <a:r>
-              <a:rPr lang="en-US" sz="3200" dirty="0" err="1"/>
-              <a:t>và</a:t>
-            </a:r>
-            <a:r>
-              <a:rPr lang="en-US" sz="3200" dirty="0"/>
-              <a:t> </a:t>
-            </a:r>
-            <a:r>
-              <a:rPr lang="en-US" sz="3200" dirty="0" err="1"/>
-              <a:t>máy</a:t>
-            </a:r>
-            <a:r>
-              <a:rPr lang="en-US" sz="3200" dirty="0"/>
-              <a:t> </a:t>
-            </a:r>
-            <a:r>
-              <a:rPr lang="en-US" sz="3200" dirty="0" err="1"/>
-              <a:t>tính</a:t>
-            </a:r>
-            <a:r>
-              <a:rPr lang="en-US" sz="3200" dirty="0"/>
-              <a:t>.</a:t>
-            </a:r>
-          </a:p>
-        </p:txBody>
-      </p:sp>
-    </p:spTree>
-    <p:extLst>
-      <p:ext uri="{BB962C8B-B14F-4D97-AF65-F5344CB8AC3E}">
-        <p14:creationId xmlns:p14="http://schemas.microsoft.com/office/powerpoint/2010/main" val="2819336700"/>
-      </p:ext>
-    </p:extLst>
-  </p:cSld>
-  <p:clrMapOvr>
-    <a:masterClrMapping/>
-  </p:clrMapOvr>
-  <p:timing>
-    <p:tnLst>
-      <p:par>
-        <p:cTn id="1" dur="indefinite" restart="never" nodeType="tmRoot"/>
-      </p:par>
-    </p:tnLst>
-  </p:timing>
-</p:sld>
-</file>
-
 <file path=ppt/slides/slide3.xml><?xml version="1.0" encoding="utf-8"?>
 <p:sld xmlns:a="http://schemas.openxmlformats.org/drawingml/2006/main" xmlns:r="http://schemas.openxmlformats.org/officeDocument/2006/relationships" xmlns:p="http://schemas.openxmlformats.org/presentationml/2006/main">
   <p:cSld>
